--- a/Fase 1/Evidencias Grupales/Presentacion_idea_de_proyecto.pptx
+++ b/Fase 1/Evidencias Grupales/Presentacion_idea_de_proyecto.pptx
@@ -207,7 +207,7 @@
           <a:p>
             <a:fld id="{94D09211-D25C-4AD0-A1FA-7C357D3F8878}" type="datetimeFigureOut">
               <a:rPr lang="es-CL" smtClean="0"/>
-              <a:t>11-09-2024</a:t>
+              <a:t>12-09-2024</a:t>
             </a:fld>
             <a:endParaRPr lang="es-CL" dirty="0"/>
           </a:p>
@@ -1408,7 +1408,7 @@
           <a:p>
             <a:fld id="{6E675F71-7034-49E0-9977-574357FE7B79}" type="datetimeFigureOut">
               <a:rPr lang="es-CL" smtClean="0"/>
-              <a:t>11-09-2024</a:t>
+              <a:t>12-09-2024</a:t>
             </a:fld>
             <a:endParaRPr lang="es-CL" dirty="0"/>
           </a:p>
@@ -1616,7 +1616,7 @@
           <a:p>
             <a:fld id="{6E675F71-7034-49E0-9977-574357FE7B79}" type="datetimeFigureOut">
               <a:rPr lang="es-CL" smtClean="0"/>
-              <a:t>11-09-2024</a:t>
+              <a:t>12-09-2024</a:t>
             </a:fld>
             <a:endParaRPr lang="es-CL" dirty="0"/>
           </a:p>
@@ -1872,7 +1872,7 @@
           <a:p>
             <a:fld id="{6E675F71-7034-49E0-9977-574357FE7B79}" type="datetimeFigureOut">
               <a:rPr lang="es-CL" smtClean="0"/>
-              <a:t>11-09-2024</a:t>
+              <a:t>12-09-2024</a:t>
             </a:fld>
             <a:endParaRPr lang="es-CL" dirty="0"/>
           </a:p>
@@ -2046,7 +2046,7 @@
           <a:p>
             <a:fld id="{6E675F71-7034-49E0-9977-574357FE7B79}" type="datetimeFigureOut">
               <a:rPr lang="es-CL" smtClean="0"/>
-              <a:t>11-09-2024</a:t>
+              <a:t>12-09-2024</a:t>
             </a:fld>
             <a:endParaRPr lang="es-CL" dirty="0"/>
           </a:p>
@@ -2389,7 +2389,7 @@
           <a:p>
             <a:fld id="{6E675F71-7034-49E0-9977-574357FE7B79}" type="datetimeFigureOut">
               <a:rPr lang="es-CL" smtClean="0"/>
-              <a:t>11-09-2024</a:t>
+              <a:t>12-09-2024</a:t>
             </a:fld>
             <a:endParaRPr lang="es-CL" dirty="0"/>
           </a:p>
@@ -2664,7 +2664,7 @@
           <a:p>
             <a:fld id="{6E675F71-7034-49E0-9977-574357FE7B79}" type="datetimeFigureOut">
               <a:rPr lang="es-CL" smtClean="0"/>
-              <a:t>11-09-2024</a:t>
+              <a:t>12-09-2024</a:t>
             </a:fld>
             <a:endParaRPr lang="es-CL" dirty="0"/>
           </a:p>
@@ -3043,7 +3043,7 @@
           <a:p>
             <a:fld id="{6E675F71-7034-49E0-9977-574357FE7B79}" type="datetimeFigureOut">
               <a:rPr lang="es-CL" smtClean="0"/>
-              <a:t>11-09-2024</a:t>
+              <a:t>12-09-2024</a:t>
             </a:fld>
             <a:endParaRPr lang="es-CL" dirty="0"/>
           </a:p>
@@ -3161,7 +3161,7 @@
           <a:p>
             <a:fld id="{6E675F71-7034-49E0-9977-574357FE7B79}" type="datetimeFigureOut">
               <a:rPr lang="es-CL" smtClean="0"/>
-              <a:t>11-09-2024</a:t>
+              <a:t>12-09-2024</a:t>
             </a:fld>
             <a:endParaRPr lang="es-CL" dirty="0"/>
           </a:p>
@@ -3332,7 +3332,7 @@
           <a:p>
             <a:fld id="{6E675F71-7034-49E0-9977-574357FE7B79}" type="datetimeFigureOut">
               <a:rPr lang="es-CL" smtClean="0"/>
-              <a:t>11-09-2024</a:t>
+              <a:t>12-09-2024</a:t>
             </a:fld>
             <a:endParaRPr lang="es-CL" dirty="0"/>
           </a:p>
@@ -3686,7 +3686,7 @@
           <a:p>
             <a:fld id="{6E675F71-7034-49E0-9977-574357FE7B79}" type="datetimeFigureOut">
               <a:rPr lang="es-CL" smtClean="0"/>
-              <a:t>11-09-2024</a:t>
+              <a:t>12-09-2024</a:t>
             </a:fld>
             <a:endParaRPr lang="es-CL" dirty="0"/>
           </a:p>
@@ -4068,7 +4068,7 @@
           <a:p>
             <a:fld id="{6E675F71-7034-49E0-9977-574357FE7B79}" type="datetimeFigureOut">
               <a:rPr lang="es-CL" smtClean="0"/>
-              <a:t>11-09-2024</a:t>
+              <a:t>12-09-2024</a:t>
             </a:fld>
             <a:endParaRPr lang="es-CL" dirty="0"/>
           </a:p>
@@ -4355,7 +4355,7 @@
           <a:p>
             <a:fld id="{6E675F71-7034-49E0-9977-574357FE7B79}" type="datetimeFigureOut">
               <a:rPr lang="es-CL" smtClean="0"/>
-              <a:t>11-09-2024</a:t>
+              <a:t>12-09-2024</a:t>
             </a:fld>
             <a:endParaRPr lang="es-CL" dirty="0"/>
           </a:p>
@@ -6699,7 +6699,9 @@
         </p:nvSpPr>
         <p:spPr/>
         <p:txBody>
-          <a:bodyPr/>
+          <a:bodyPr>
+            <a:normAutofit fontScale="92500" lnSpcReduction="10000"/>
+          </a:bodyPr>
           <a:lstStyle/>
           <a:p>
             <a:r>
@@ -6716,6 +6718,17 @@
               <a:rPr lang="es-CL" dirty="0"/>
               <a:t>-Acta constitución del Proyecto (inicio de proyecto)</a:t>
             </a:r>
+          </a:p>
+          <a:p>
+            <a:r>
+              <a:rPr lang="es-CL" dirty="0"/>
+              <a:t>-Acta cierre </a:t>
+            </a:r>
+            <a:r>
+              <a:rPr lang="es-CL"/>
+              <a:t>de proyecto (fin)</a:t>
+            </a:r>
+            <a:endParaRPr lang="es-CL" dirty="0"/>
           </a:p>
           <a:p>
             <a:r>

--- a/Fase 1/Evidencias Grupales/Presentacion_idea_de_proyecto.pptx
+++ b/Fase 1/Evidencias Grupales/Presentacion_idea_de_proyecto.pptx
@@ -5,7 +5,7 @@
     <p:sldMasterId id="2147483835" r:id="rId1"/>
   </p:sldMasterIdLst>
   <p:notesMasterIdLst>
-    <p:notesMasterId r:id="rId13"/>
+    <p:notesMasterId r:id="rId12"/>
   </p:notesMasterIdLst>
   <p:sldIdLst>
     <p:sldId id="256" r:id="rId2"/>
@@ -15,10 +15,9 @@
     <p:sldId id="260" r:id="rId6"/>
     <p:sldId id="261" r:id="rId7"/>
     <p:sldId id="262" r:id="rId8"/>
-    <p:sldId id="263" r:id="rId9"/>
-    <p:sldId id="264" r:id="rId10"/>
-    <p:sldId id="265" r:id="rId11"/>
-    <p:sldId id="266" r:id="rId12"/>
+    <p:sldId id="267" r:id="rId9"/>
+    <p:sldId id="265" r:id="rId10"/>
+    <p:sldId id="266" r:id="rId11"/>
   </p:sldIdLst>
   <p:sldSz cx="12192000" cy="6858000"/>
   <p:notesSz cx="6858000" cy="9144000"/>
@@ -5105,99 +5104,6 @@
           <p:cNvPr id="2" name="Título 1">
             <a:extLst>
               <a:ext uri="{FF2B5EF4-FFF2-40B4-BE49-F238E27FC236}">
-                <a16:creationId xmlns:a16="http://schemas.microsoft.com/office/drawing/2014/main" id="{2EA234D2-84C3-705E-EC82-91976CD6D449}"/>
-              </a:ext>
-            </a:extLst>
-          </p:cNvPr>
-          <p:cNvSpPr>
-            <a:spLocks noGrp="1"/>
-          </p:cNvSpPr>
-          <p:nvPr>
-            <p:ph type="title"/>
-          </p:nvPr>
-        </p:nvSpPr>
-        <p:spPr/>
-        <p:txBody>
-          <a:bodyPr/>
-          <a:lstStyle/>
-          <a:p>
-            <a:r>
-              <a:rPr lang="es-CL" dirty="0"/>
-              <a:t>			    Conclusión</a:t>
-            </a:r>
-          </a:p>
-        </p:txBody>
-      </p:sp>
-      <p:pic>
-        <p:nvPicPr>
-          <p:cNvPr id="9" name="Marcador de contenido 8" descr="Dibujo animado de un personaje animado&#10;&#10;Descripción generada automáticamente con confianza baja">
-            <a:extLst>
-              <a:ext uri="{FF2B5EF4-FFF2-40B4-BE49-F238E27FC236}">
-                <a16:creationId xmlns:a16="http://schemas.microsoft.com/office/drawing/2014/main" id="{B7737761-A248-BAD8-F967-4B114E540C9D}"/>
-              </a:ext>
-            </a:extLst>
-          </p:cNvPr>
-          <p:cNvPicPr>
-            <a:picLocks noGrp="1" noChangeAspect="1"/>
-          </p:cNvPicPr>
-          <p:nvPr>
-            <p:ph idx="1"/>
-          </p:nvPr>
-        </p:nvPicPr>
-        <p:blipFill>
-          <a:blip r:embed="rId2">
-            <a:extLst>
-              <a:ext uri="{28A0092B-C50C-407E-A947-70E740481C1C}">
-                <a14:useLocalDpi xmlns:a14="http://schemas.microsoft.com/office/drawing/2010/main" val="0"/>
-              </a:ext>
-            </a:extLst>
-          </a:blip>
-          <a:stretch>
-            <a:fillRect/>
-          </a:stretch>
-        </p:blipFill>
-        <p:spPr>
-          <a:xfrm>
-            <a:off x="3483841" y="1864551"/>
-            <a:ext cx="5224318" cy="4022725"/>
-          </a:xfrm>
-        </p:spPr>
-      </p:pic>
-    </p:spTree>
-    <p:extLst>
-      <p:ext uri="{BB962C8B-B14F-4D97-AF65-F5344CB8AC3E}">
-        <p14:creationId xmlns:p14="http://schemas.microsoft.com/office/powerpoint/2010/main" val="629465645"/>
-      </p:ext>
-    </p:extLst>
-  </p:cSld>
-  <p:clrMapOvr>
-    <a:masterClrMapping/>
-  </p:clrMapOvr>
-</p:sld>
-</file>
-
-<file path=ppt/slides/slide11.xml><?xml version="1.0" encoding="utf-8"?>
-<p:sld xmlns:a="http://schemas.openxmlformats.org/drawingml/2006/main" xmlns:r="http://schemas.openxmlformats.org/officeDocument/2006/relationships" xmlns:p="http://schemas.openxmlformats.org/presentationml/2006/main">
-  <p:cSld>
-    <p:spTree>
-      <p:nvGrpSpPr>
-        <p:cNvPr id="1" name=""/>
-        <p:cNvGrpSpPr/>
-        <p:nvPr/>
-      </p:nvGrpSpPr>
-      <p:grpSpPr>
-        <a:xfrm>
-          <a:off x="0" y="0"/>
-          <a:ext cx="0" cy="0"/>
-          <a:chOff x="0" y="0"/>
-          <a:chExt cx="0" cy="0"/>
-        </a:xfrm>
-      </p:grpSpPr>
-      <p:sp>
-        <p:nvSpPr>
-          <p:cNvPr id="2" name="Título 1">
-            <a:extLst>
-              <a:ext uri="{FF2B5EF4-FFF2-40B4-BE49-F238E27FC236}">
                 <a16:creationId xmlns:a16="http://schemas.microsoft.com/office/drawing/2014/main" id="{B69A03B9-E303-694C-F34E-BB76D5474DD5}"/>
               </a:ext>
             </a:extLst>
@@ -6935,7 +6841,7 @@
           <p:cNvPr id="2" name="Título 1">
             <a:extLst>
               <a:ext uri="{FF2B5EF4-FFF2-40B4-BE49-F238E27FC236}">
-                <a16:creationId xmlns:a16="http://schemas.microsoft.com/office/drawing/2014/main" id="{9322ED1B-C009-C12D-5BA3-1EF14F671D27}"/>
+                <a16:creationId xmlns:a16="http://schemas.microsoft.com/office/drawing/2014/main" id="{DA02262F-16AE-A493-3AC3-13774E5DFEC5}"/>
               </a:ext>
             </a:extLst>
           </p:cNvPr>
@@ -6952,18 +6858,18 @@
           <a:lstStyle/>
           <a:p>
             <a:r>
-              <a:rPr lang="es-CL" dirty="0"/>
-              <a:t>			   Plan de trabajo</a:t>
+              <a:rPr lang="es-ES" dirty="0"/>
+              <a:t>Tecnologías</a:t>
             </a:r>
           </a:p>
         </p:txBody>
       </p:sp>
       <p:pic>
         <p:nvPicPr>
-          <p:cNvPr id="10" name="Marcador de contenido 9" descr="Interfaz de usuario gráfica&#10;&#10;Descripción generada automáticamente">
+          <p:cNvPr id="5" name="Marcador de contenido 4">
             <a:extLst>
               <a:ext uri="{FF2B5EF4-FFF2-40B4-BE49-F238E27FC236}">
-                <a16:creationId xmlns:a16="http://schemas.microsoft.com/office/drawing/2014/main" id="{FA530BDA-B211-2E2E-5BA2-5BCEF8C7255F}"/>
+                <a16:creationId xmlns:a16="http://schemas.microsoft.com/office/drawing/2014/main" id="{792D31D2-5D28-76B6-1BB6-BBBF0B0761F1}"/>
               </a:ext>
             </a:extLst>
           </p:cNvPr>
@@ -6975,30 +6881,24 @@
           </p:nvPr>
         </p:nvPicPr>
         <p:blipFill>
-          <a:blip r:embed="rId2">
-            <a:extLst>
-              <a:ext uri="{28A0092B-C50C-407E-A947-70E740481C1C}">
-                <a14:useLocalDpi xmlns:a14="http://schemas.microsoft.com/office/drawing/2010/main" val="0"/>
-              </a:ext>
-            </a:extLst>
-          </a:blip>
+          <a:blip r:embed="rId2"/>
           <a:stretch>
             <a:fillRect/>
           </a:stretch>
         </p:blipFill>
         <p:spPr>
           <a:xfrm>
-            <a:off x="4673378" y="4301602"/>
-            <a:ext cx="2623534" cy="2623534"/>
+            <a:off x="465343" y="3256849"/>
+            <a:ext cx="3165792" cy="2292079"/>
           </a:xfrm>
         </p:spPr>
       </p:pic>
       <p:pic>
         <p:nvPicPr>
-          <p:cNvPr id="4" name="Marcador de contenido 10" descr="Logotipo&#10;&#10;Descripción generada automáticamente">
+          <p:cNvPr id="7" name="Imagen 6">
             <a:extLst>
               <a:ext uri="{FF2B5EF4-FFF2-40B4-BE49-F238E27FC236}">
-                <a16:creationId xmlns:a16="http://schemas.microsoft.com/office/drawing/2014/main" id="{EFA76F9A-42BB-582F-60BF-E429A167D7BF}"/>
+                <a16:creationId xmlns:a16="http://schemas.microsoft.com/office/drawing/2014/main" id="{4047A365-7E2E-B0D4-5A51-1444B25990FC}"/>
               </a:ext>
             </a:extLst>
           </p:cNvPr>
@@ -7008,21 +6908,15 @@
           <p:nvPr/>
         </p:nvPicPr>
         <p:blipFill>
-          <a:blip r:embed="rId3">
-            <a:extLst>
-              <a:ext uri="{28A0092B-C50C-407E-A947-70E740481C1C}">
-                <a14:useLocalDpi xmlns:a14="http://schemas.microsoft.com/office/drawing/2010/main" val="0"/>
-              </a:ext>
-            </a:extLst>
-          </a:blip>
+          <a:blip r:embed="rId3"/>
           <a:stretch>
             <a:fillRect/>
           </a:stretch>
         </p:blipFill>
         <p:spPr>
           <a:xfrm>
-            <a:off x="8818612" y="40957"/>
-            <a:ext cx="3291092" cy="809917"/>
+            <a:off x="4361210" y="2044745"/>
+            <a:ext cx="3530540" cy="1878348"/>
           </a:xfrm>
           <a:prstGeom prst="rect">
             <a:avLst/>
@@ -7031,10 +6925,10 @@
       </p:pic>
       <p:pic>
         <p:nvPicPr>
-          <p:cNvPr id="5" name="Imagen 4" descr="Icono&#10;&#10;Descripción generada automáticamente con confianza baja">
+          <p:cNvPr id="9" name="Imagen 8" descr="Interfaz de usuario gráfica&#10;&#10;Descripción generada automáticamente">
             <a:extLst>
               <a:ext uri="{FF2B5EF4-FFF2-40B4-BE49-F238E27FC236}">
-                <a16:creationId xmlns:a16="http://schemas.microsoft.com/office/drawing/2014/main" id="{A6815829-D7C9-0023-9D69-9FC1512B8787}"/>
+                <a16:creationId xmlns:a16="http://schemas.microsoft.com/office/drawing/2014/main" id="{A2FACF75-DD39-F86E-922F-060806A4D198}"/>
               </a:ext>
             </a:extLst>
           </p:cNvPr>
@@ -7057,81 +6951,126 @@
         </p:blipFill>
         <p:spPr>
           <a:xfrm>
-            <a:off x="0" y="186611"/>
-            <a:ext cx="3256191" cy="664263"/>
+            <a:off x="4599403" y="4685839"/>
+            <a:ext cx="3760601" cy="1726177"/>
           </a:xfrm>
           <a:prstGeom prst="rect">
             <a:avLst/>
           </a:prstGeom>
         </p:spPr>
       </p:pic>
-      <p:graphicFrame>
-        <p:nvGraphicFramePr>
-          <p:cNvPr id="8" name="Objeto 7">
+      <p:pic>
+        <p:nvPicPr>
+          <p:cNvPr id="10" name="Imagen 9" descr="Icono&#10;&#10;Descripción generada automáticamente con confianza baja">
             <a:extLst>
               <a:ext uri="{FF2B5EF4-FFF2-40B4-BE49-F238E27FC236}">
-                <a16:creationId xmlns:a16="http://schemas.microsoft.com/office/drawing/2014/main" id="{107FFCC5-81B3-D531-50EC-D59B73399B18}"/>
+                <a16:creationId xmlns:a16="http://schemas.microsoft.com/office/drawing/2014/main" id="{5B1CC897-2655-356B-4745-D0AA512DBD95}"/>
               </a:ext>
             </a:extLst>
           </p:cNvPr>
-          <p:cNvGraphicFramePr>
-            <a:graphicFrameLocks noChangeAspect="1"/>
-          </p:cNvGraphicFramePr>
-          <p:nvPr>
-            <p:extLst>
-              <p:ext uri="{D42A27DB-BD31-4B8C-83A1-F6EECF244321}">
-                <p14:modId xmlns:p14="http://schemas.microsoft.com/office/powerpoint/2010/main" val="2720996602"/>
-              </p:ext>
-            </p:extLst>
-          </p:nvPr>
-        </p:nvGraphicFramePr>
-        <p:xfrm>
-          <a:off x="683771" y="1983006"/>
-          <a:ext cx="10824457" cy="2318596"/>
-        </p:xfrm>
-        <a:graphic>
-          <a:graphicData uri="http://schemas.openxmlformats.org/presentationml/2006/ole">
-            <mc:AlternateContent xmlns:mc="http://schemas.openxmlformats.org/markup-compatibility/2006">
-              <mc:Choice xmlns:v="urn:schemas-microsoft-com:vml" Requires="v">
-                <p:oleObj name="Worksheet" r:id="rId5" imgW="7915351" imgH="1695485" progId="Excel.Sheet.12">
-                  <p:embed/>
-                </p:oleObj>
-              </mc:Choice>
-              <mc:Fallback>
-                <p:oleObj name="Worksheet" r:id="rId5" imgW="7915351" imgH="1695485" progId="Excel.Sheet.12">
-                  <p:embed/>
-                  <p:pic>
-                    <p:nvPicPr>
-                      <p:cNvPr id="0" name=""/>
-                      <p:cNvPicPr/>
-                      <p:nvPr/>
-                    </p:nvPicPr>
-                    <p:blipFill>
-                      <a:blip r:embed="rId6"/>
-                      <a:stretch>
-                        <a:fillRect/>
-                      </a:stretch>
-                    </p:blipFill>
-                    <p:spPr>
-                      <a:xfrm>
-                        <a:off x="683771" y="1983006"/>
-                        <a:ext cx="10824457" cy="2318596"/>
-                      </a:xfrm>
-                      <a:prstGeom prst="rect">
-                        <a:avLst/>
-                      </a:prstGeom>
-                    </p:spPr>
-                  </p:pic>
-                </p:oleObj>
-              </mc:Fallback>
-            </mc:AlternateContent>
-          </a:graphicData>
-        </a:graphic>
-      </p:graphicFrame>
+          <p:cNvPicPr>
+            <a:picLocks noChangeAspect="1"/>
+          </p:cNvPicPr>
+          <p:nvPr/>
+        </p:nvPicPr>
+        <p:blipFill>
+          <a:blip r:embed="rId5">
+            <a:extLst>
+              <a:ext uri="{28A0092B-C50C-407E-A947-70E740481C1C}">
+                <a14:useLocalDpi xmlns:a14="http://schemas.microsoft.com/office/drawing/2010/main" val="0"/>
+              </a:ext>
+            </a:extLst>
+          </a:blip>
+          <a:stretch>
+            <a:fillRect/>
+          </a:stretch>
+        </p:blipFill>
+        <p:spPr>
+          <a:xfrm>
+            <a:off x="0" y="20072"/>
+            <a:ext cx="3256191" cy="664263"/>
+          </a:xfrm>
+          <a:prstGeom prst="rect">
+            <a:avLst/>
+          </a:prstGeom>
+        </p:spPr>
+      </p:pic>
+      <p:pic>
+        <p:nvPicPr>
+          <p:cNvPr id="11" name="Marcador de contenido 10" descr="Logotipo&#10;&#10;Descripción generada automáticamente">
+            <a:extLst>
+              <a:ext uri="{FF2B5EF4-FFF2-40B4-BE49-F238E27FC236}">
+                <a16:creationId xmlns:a16="http://schemas.microsoft.com/office/drawing/2014/main" id="{5322D83D-FAC9-F2EE-1ABB-EFE9E9839409}"/>
+              </a:ext>
+            </a:extLst>
+          </p:cNvPr>
+          <p:cNvPicPr>
+            <a:picLocks noChangeAspect="1"/>
+          </p:cNvPicPr>
+          <p:nvPr/>
+        </p:nvPicPr>
+        <p:blipFill>
+          <a:blip r:embed="rId6">
+            <a:extLst>
+              <a:ext uri="{28A0092B-C50C-407E-A947-70E740481C1C}">
+                <a14:useLocalDpi xmlns:a14="http://schemas.microsoft.com/office/drawing/2010/main" val="0"/>
+              </a:ext>
+            </a:extLst>
+          </a:blip>
+          <a:stretch>
+            <a:fillRect/>
+          </a:stretch>
+        </p:blipFill>
+        <p:spPr>
+          <a:xfrm>
+            <a:off x="8813631" y="0"/>
+            <a:ext cx="3291092" cy="809917"/>
+          </a:xfrm>
+          <a:prstGeom prst="rect">
+            <a:avLst/>
+          </a:prstGeom>
+        </p:spPr>
+      </p:pic>
+      <p:pic>
+        <p:nvPicPr>
+          <p:cNvPr id="13" name="Imagen 12" descr="Icono&#10;&#10;Descripción generada automáticamente">
+            <a:extLst>
+              <a:ext uri="{FF2B5EF4-FFF2-40B4-BE49-F238E27FC236}">
+                <a16:creationId xmlns:a16="http://schemas.microsoft.com/office/drawing/2014/main" id="{3467BB8A-2A16-194D-79BC-511A2636E4ED}"/>
+              </a:ext>
+            </a:extLst>
+          </p:cNvPr>
+          <p:cNvPicPr>
+            <a:picLocks noChangeAspect="1"/>
+          </p:cNvPicPr>
+          <p:nvPr/>
+        </p:nvPicPr>
+        <p:blipFill>
+          <a:blip r:embed="rId7">
+            <a:extLst>
+              <a:ext uri="{28A0092B-C50C-407E-A947-70E740481C1C}">
+                <a14:useLocalDpi xmlns:a14="http://schemas.microsoft.com/office/drawing/2010/main" val="0"/>
+              </a:ext>
+            </a:extLst>
+          </a:blip>
+          <a:stretch>
+            <a:fillRect/>
+          </a:stretch>
+        </p:blipFill>
+        <p:spPr>
+          <a:xfrm>
+            <a:off x="8656529" y="2044745"/>
+            <a:ext cx="2499151" cy="2499151"/>
+          </a:xfrm>
+          <a:prstGeom prst="rect">
+            <a:avLst/>
+          </a:prstGeom>
+        </p:spPr>
+      </p:pic>
     </p:spTree>
     <p:extLst>
       <p:ext uri="{BB962C8B-B14F-4D97-AF65-F5344CB8AC3E}">
-        <p14:creationId xmlns:p14="http://schemas.microsoft.com/office/powerpoint/2010/main" val="3141711150"/>
+        <p14:creationId xmlns:p14="http://schemas.microsoft.com/office/powerpoint/2010/main" val="824764224"/>
       </p:ext>
     </p:extLst>
   </p:cSld>
@@ -7163,7 +7102,7 @@
           <p:cNvPr id="2" name="Título 1">
             <a:extLst>
               <a:ext uri="{FF2B5EF4-FFF2-40B4-BE49-F238E27FC236}">
-                <a16:creationId xmlns:a16="http://schemas.microsoft.com/office/drawing/2014/main" id="{6E54A46D-6194-9D08-AF53-282A1C8EB9BF}"/>
+                <a16:creationId xmlns:a16="http://schemas.microsoft.com/office/drawing/2014/main" id="{2EA234D2-84C3-705E-EC82-91976CD6D449}"/>
               </a:ext>
             </a:extLst>
           </p:cNvPr>
@@ -7181,24 +7120,26 @@
           <a:p>
             <a:r>
               <a:rPr lang="es-CL" dirty="0"/>
-              <a:t>			      Carta Gantt</a:t>
+              <a:t>			    Conclusión</a:t>
             </a:r>
           </a:p>
         </p:txBody>
       </p:sp>
       <p:pic>
         <p:nvPicPr>
-          <p:cNvPr id="4" name="Marcador de contenido 10" descr="Logotipo&#10;&#10;Descripción generada automáticamente">
+          <p:cNvPr id="9" name="Marcador de contenido 8" descr="Dibujo animado de un personaje animado&#10;&#10;Descripción generada automáticamente con confianza baja">
             <a:extLst>
               <a:ext uri="{FF2B5EF4-FFF2-40B4-BE49-F238E27FC236}">
-                <a16:creationId xmlns:a16="http://schemas.microsoft.com/office/drawing/2014/main" id="{D732D712-E670-60A1-282B-7002FC7DE552}"/>
+                <a16:creationId xmlns:a16="http://schemas.microsoft.com/office/drawing/2014/main" id="{B7737761-A248-BAD8-F967-4B114E540C9D}"/>
               </a:ext>
             </a:extLst>
           </p:cNvPr>
           <p:cNvPicPr>
-            <a:picLocks noChangeAspect="1"/>
+            <a:picLocks noGrp="1" noChangeAspect="1"/>
           </p:cNvPicPr>
-          <p:nvPr/>
+          <p:nvPr>
+            <p:ph idx="1"/>
+          </p:nvPr>
         </p:nvPicPr>
         <p:blipFill>
           <a:blip r:embed="rId2">
@@ -7214,114 +7155,15 @@
         </p:blipFill>
         <p:spPr>
           <a:xfrm>
-            <a:off x="8823156" y="31750"/>
-            <a:ext cx="3291092" cy="809917"/>
-          </a:xfrm>
-          <a:prstGeom prst="rect">
-            <a:avLst/>
-          </a:prstGeom>
-        </p:spPr>
-      </p:pic>
-      <p:pic>
-        <p:nvPicPr>
-          <p:cNvPr id="5" name="Imagen 4" descr="Icono&#10;&#10;Descripción generada automáticamente con confianza baja">
-            <a:extLst>
-              <a:ext uri="{FF2B5EF4-FFF2-40B4-BE49-F238E27FC236}">
-                <a16:creationId xmlns:a16="http://schemas.microsoft.com/office/drawing/2014/main" id="{BD3756B0-16F6-2C9C-323F-281C458C5DD9}"/>
-              </a:ext>
-            </a:extLst>
-          </p:cNvPr>
-          <p:cNvPicPr>
-            <a:picLocks noChangeAspect="1"/>
-          </p:cNvPicPr>
-          <p:nvPr/>
-        </p:nvPicPr>
-        <p:blipFill>
-          <a:blip r:embed="rId3">
-            <a:extLst>
-              <a:ext uri="{28A0092B-C50C-407E-A947-70E740481C1C}">
-                <a14:useLocalDpi xmlns:a14="http://schemas.microsoft.com/office/drawing/2010/main" val="0"/>
-              </a:ext>
-            </a:extLst>
-          </a:blip>
-          <a:stretch>
-            <a:fillRect/>
-          </a:stretch>
-        </p:blipFill>
-        <p:spPr>
-          <a:xfrm>
-            <a:off x="-53608" y="202121"/>
-            <a:ext cx="3256191" cy="664263"/>
-          </a:xfrm>
-          <a:prstGeom prst="rect">
-            <a:avLst/>
-          </a:prstGeom>
-        </p:spPr>
-      </p:pic>
-      <p:pic>
-        <p:nvPicPr>
-          <p:cNvPr id="7" name="Imagen 6">
-            <a:extLst>
-              <a:ext uri="{FF2B5EF4-FFF2-40B4-BE49-F238E27FC236}">
-                <a16:creationId xmlns:a16="http://schemas.microsoft.com/office/drawing/2014/main" id="{8C78A214-D2D0-8497-1756-9262C41C10EA}"/>
-              </a:ext>
-            </a:extLst>
-          </p:cNvPr>
-          <p:cNvPicPr>
-            <a:picLocks noChangeAspect="1"/>
-          </p:cNvPicPr>
-          <p:nvPr/>
-        </p:nvPicPr>
-        <p:blipFill>
-          <a:blip r:embed="rId4"/>
-          <a:stretch>
-            <a:fillRect/>
-          </a:stretch>
-        </p:blipFill>
-        <p:spPr>
-          <a:xfrm>
-            <a:off x="3063973" y="436708"/>
-            <a:ext cx="5684729" cy="4708404"/>
-          </a:xfrm>
-          <a:prstGeom prst="rect">
-            <a:avLst/>
-          </a:prstGeom>
-        </p:spPr>
-      </p:pic>
-      <p:pic>
-        <p:nvPicPr>
-          <p:cNvPr id="13" name="Imagen 12">
-            <a:extLst>
-              <a:ext uri="{FF2B5EF4-FFF2-40B4-BE49-F238E27FC236}">
-                <a16:creationId xmlns:a16="http://schemas.microsoft.com/office/drawing/2014/main" id="{9A94CDCE-2342-FBB3-A9DC-F2EC76355885}"/>
-              </a:ext>
-            </a:extLst>
-          </p:cNvPr>
-          <p:cNvPicPr>
-            <a:picLocks noChangeAspect="1"/>
-          </p:cNvPicPr>
-          <p:nvPr/>
-        </p:nvPicPr>
-        <p:blipFill>
-          <a:blip r:embed="rId5"/>
-          <a:stretch>
-            <a:fillRect/>
-          </a:stretch>
-        </p:blipFill>
-        <p:spPr>
-          <a:xfrm>
-            <a:off x="3063973" y="5014408"/>
-            <a:ext cx="5684729" cy="1108835"/>
-          </a:xfrm>
-          <a:prstGeom prst="rect">
-            <a:avLst/>
-          </a:prstGeom>
+            <a:off x="3483841" y="1864551"/>
+            <a:ext cx="5224318" cy="4022725"/>
+          </a:xfrm>
         </p:spPr>
       </p:pic>
     </p:spTree>
     <p:extLst>
       <p:ext uri="{BB962C8B-B14F-4D97-AF65-F5344CB8AC3E}">
-        <p14:creationId xmlns:p14="http://schemas.microsoft.com/office/powerpoint/2010/main" val="1006672213"/>
+        <p14:creationId xmlns:p14="http://schemas.microsoft.com/office/powerpoint/2010/main" val="629465645"/>
       </p:ext>
     </p:extLst>
   </p:cSld>
